--- a/vector_images/dose_ae.pptx
+++ b/vector_images/dose_ae.pptx
@@ -104,6 +104,11 @@
       </a:defRPr>
     </a:lvl9pPr>
   </p:defaultTextStyle>
+  <p:extLst>
+    <p:ext uri="{EFAFB233-063F-42B5-8137-9DF3F51BA10A}">
+      <p15:sldGuideLst xmlns:p15="http://schemas.microsoft.com/office/powerpoint/2012/main"/>
+    </p:ext>
+  </p:extLst>
 </p:presentation>
 </file>
 
@@ -3649,8 +3654,8 @@
         </p:nvSpPr>
         <p:spPr>
           <a:xfrm>
-            <a:off x="5430365" y="1932046"/>
-            <a:ext cx="977832" cy="369332"/>
+            <a:off x="5444664" y="1901917"/>
+            <a:ext cx="949234" cy="369332"/>
           </a:xfrm>
           <a:prstGeom prst="rect">
             <a:avLst/>
@@ -3669,7 +3674,7 @@
                   <a:schemeClr val="bg1"/>
                 </a:solidFill>
               </a:rPr>
-              <a:t>Decoder</a:t>
+              <a:t>Encoder</a:t>
             </a:r>
           </a:p>
         </p:txBody>
